--- a/PowerPoint/BackgroundPowerPoint.pptx
+++ b/PowerPoint/BackgroundPowerPoint.pptx
@@ -11,6 +11,11 @@
     <p:sldId id="259" r:id="rId5"/>
     <p:sldId id="260" r:id="rId6"/>
     <p:sldId id="261" r:id="rId7"/>
+    <p:sldId id="262" r:id="rId8"/>
+    <p:sldId id="263" r:id="rId9"/>
+    <p:sldId id="264" r:id="rId10"/>
+    <p:sldId id="265" r:id="rId11"/>
+    <p:sldId id="266" r:id="rId12"/>
   </p:sldIdLst>
   <p:sldSz cx="12192000" cy="6858000"/>
   <p:notesSz cx="6858000" cy="9144000"/>
@@ -109,6 +114,11 @@
       </a:defRPr>
     </a:lvl9pPr>
   </p:defaultTextStyle>
+  <p:extLst>
+    <p:ext uri="{EFAFB233-063F-42B5-8137-9DF3F51BA10A}">
+      <p15:sldGuideLst xmlns:p15="http://schemas.microsoft.com/office/powerpoint/2012/main"/>
+    </p:ext>
+  </p:extLst>
 </p:presentation>
 </file>
 
@@ -207,7 +217,7 @@
           <a:effectLst/>
           <a:extLst>
             <a:ext uri="{91240B29-F687-4f45-9708-019B960494DF}">
-              <a14:hiddenLine xmlns:a14="http://schemas.microsoft.com/office/drawing/2010/main" xmlns="" w="9525">
+              <a14:hiddenLine xmlns="" xmlns:a14="http://schemas.microsoft.com/office/drawing/2010/main" w="9525">
                 <a:solidFill>
                   <a:srgbClr val="000000"/>
                 </a:solidFill>
@@ -400,7 +410,7 @@
             <a:fld id="{08B9EBBA-996F-894A-B54A-D6246ED52CEA}" type="datetimeFigureOut">
               <a:rPr lang="en-US" dirty="0"/>
               <a:pPr/>
-              <a:t>6/16/2020</a:t>
+              <a:t>6/17/2020</a:t>
             </a:fld>
             <a:endParaRPr lang="en-US" dirty="0"/>
           </a:p>
@@ -715,7 +725,7 @@
             <a:fld id="{18C79C5D-2A6F-F04D-97DA-BEF2467B64E4}" type="datetimeFigureOut">
               <a:rPr lang="en-US" dirty="0"/>
               <a:pPr/>
-              <a:t>6/16/2020</a:t>
+              <a:t>6/17/2020</a:t>
             </a:fld>
             <a:endParaRPr lang="en-US" dirty="0"/>
           </a:p>
@@ -1200,7 +1210,7 @@
             <a:fld id="{8DFA1846-DA80-1C48-A609-854EA85C59AD}" type="datetimeFigureOut">
               <a:rPr lang="en-US" dirty="0"/>
               <a:pPr/>
-              <a:t>6/16/2020</a:t>
+              <a:t>6/17/2020</a:t>
             </a:fld>
             <a:endParaRPr lang="en-US" dirty="0"/>
           </a:p>
@@ -1566,7 +1576,7 @@
             <a:fld id="{FBF54567-0DE4-3F47-BF90-CB84690072F9}" type="datetimeFigureOut">
               <a:rPr lang="en-US" dirty="0"/>
               <a:pPr/>
-              <a:t>6/16/2020</a:t>
+              <a:t>6/17/2020</a:t>
             </a:fld>
             <a:endParaRPr lang="en-US" dirty="0"/>
           </a:p>
@@ -1717,7 +1727,7 @@
           <a:ln/>
           <a:extLst>
             <a:ext uri="{91240B29-F687-4f45-9708-019B960494DF}">
-              <a14:hiddenLine xmlns:a14="http://schemas.microsoft.com/office/drawing/2010/main" xmlns="" w="9525">
+              <a14:hiddenLine xmlns="" xmlns:a14="http://schemas.microsoft.com/office/drawing/2010/main" w="9525">
                 <a:solidFill>
                   <a:srgbClr val="000000"/>
                 </a:solidFill>
@@ -1836,7 +1846,7 @@
             <a:fld id="{C6C52C72-DE31-F449-A4ED-4C594FD91407}" type="datetimeFigureOut">
               <a:rPr lang="en-US" dirty="0"/>
               <a:pPr/>
-              <a:t>6/16/2020</a:t>
+              <a:t>6/17/2020</a:t>
             </a:fld>
             <a:endParaRPr lang="en-US" dirty="0"/>
           </a:p>
@@ -1989,7 +1999,7 @@
           <a:ln/>
           <a:extLst>
             <a:ext uri="{91240B29-F687-4f45-9708-019B960494DF}">
-              <a14:hiddenLine xmlns:a14="http://schemas.microsoft.com/office/drawing/2010/main" xmlns="" w="9525">
+              <a14:hiddenLine xmlns="" xmlns:a14="http://schemas.microsoft.com/office/drawing/2010/main" w="9525">
                 <a:solidFill>
                   <a:srgbClr val="000000"/>
                 </a:solidFill>
@@ -2118,7 +2128,7 @@
             <a:fld id="{ED62726E-379B-B349-9EED-81ED093FA806}" type="datetimeFigureOut">
               <a:rPr lang="en-US" dirty="0"/>
               <a:pPr/>
-              <a:t>6/16/2020</a:t>
+              <a:t>6/17/2020</a:t>
             </a:fld>
             <a:endParaRPr lang="en-US" dirty="0"/>
           </a:p>
@@ -2269,7 +2279,7 @@
           <a:ln/>
           <a:extLst>
             <a:ext uri="{91240B29-F687-4f45-9708-019B960494DF}">
-              <a14:hiddenLine xmlns:a14="http://schemas.microsoft.com/office/drawing/2010/main" xmlns="" w="9525">
+              <a14:hiddenLine xmlns="" xmlns:a14="http://schemas.microsoft.com/office/drawing/2010/main" w="9525">
                 <a:solidFill>
                   <a:srgbClr val="000000"/>
                 </a:solidFill>
@@ -2398,7 +2408,7 @@
             <a:fld id="{9B3A1323-8D79-1946-B0D7-40001CF92E9D}" type="datetimeFigureOut">
               <a:rPr lang="en-US" dirty="0"/>
               <a:pPr/>
-              <a:t>6/16/2020</a:t>
+              <a:t>6/17/2020</a:t>
             </a:fld>
             <a:endParaRPr lang="en-US" dirty="0"/>
           </a:p>
@@ -2738,7 +2748,7 @@
             <a:fld id="{8DFA1846-DA80-1C48-A609-854EA85C59AD}" type="datetimeFigureOut">
               <a:rPr lang="en-US" dirty="0"/>
               <a:pPr/>
-              <a:t>6/16/2020</a:t>
+              <a:t>6/17/2020</a:t>
             </a:fld>
             <a:endParaRPr lang="en-US" dirty="0"/>
           </a:p>
@@ -2889,7 +2899,7 @@
           <a:ln/>
           <a:extLst>
             <a:ext uri="{91240B29-F687-4f45-9708-019B960494DF}">
-              <a14:hiddenLine xmlns:a14="http://schemas.microsoft.com/office/drawing/2010/main" xmlns="" w="9525">
+              <a14:hiddenLine xmlns="" xmlns:a14="http://schemas.microsoft.com/office/drawing/2010/main" w="9525">
                 <a:solidFill>
                   <a:srgbClr val="000000"/>
                 </a:solidFill>
@@ -3074,7 +3084,7 @@
             <a:fld id="{57302355-E14B-8545-A8F8-0FE83CC9D524}" type="datetimeFigureOut">
               <a:rPr lang="en-US" dirty="0"/>
               <a:pPr/>
-              <a:t>6/16/2020</a:t>
+              <a:t>6/17/2020</a:t>
             </a:fld>
             <a:endParaRPr lang="en-US" dirty="0"/>
           </a:p>
@@ -3225,7 +3235,7 @@
           <a:ln/>
           <a:extLst>
             <a:ext uri="{91240B29-F687-4f45-9708-019B960494DF}">
-              <a14:hiddenLine xmlns:a14="http://schemas.microsoft.com/office/drawing/2010/main" xmlns="" w="9525">
+              <a14:hiddenLine xmlns="" xmlns:a14="http://schemas.microsoft.com/office/drawing/2010/main" w="9525">
                 <a:solidFill>
                   <a:srgbClr val="000000"/>
                 </a:solidFill>
@@ -3548,7 +3558,7 @@
             <a:fld id="{02640F58-564D-2B4F-AE67-E407BA4FCF45}" type="datetimeFigureOut">
               <a:rPr lang="en-US" dirty="0"/>
               <a:pPr/>
-              <a:t>6/16/2020</a:t>
+              <a:t>6/17/2020</a:t>
             </a:fld>
             <a:endParaRPr lang="en-US" dirty="0"/>
           </a:p>
@@ -3699,7 +3709,7 @@
           <a:ln/>
           <a:extLst>
             <a:ext uri="{91240B29-F687-4f45-9708-019B960494DF}">
-              <a14:hiddenLine xmlns:a14="http://schemas.microsoft.com/office/drawing/2010/main" xmlns="" w="9525">
+              <a14:hiddenLine xmlns="" xmlns:a14="http://schemas.microsoft.com/office/drawing/2010/main" w="9525">
                 <a:solidFill>
                   <a:srgbClr val="000000"/>
                 </a:solidFill>
@@ -3766,7 +3776,7 @@
             <a:fld id="{F13A34C8-038E-2045-AF43-DF7DBB8E0E9E}" type="datetimeFigureOut">
               <a:rPr lang="en-US" dirty="0"/>
               <a:pPr/>
-              <a:t>6/16/2020</a:t>
+              <a:t>6/17/2020</a:t>
             </a:fld>
             <a:endParaRPr lang="en-US" dirty="0"/>
           </a:p>
@@ -3858,7 +3868,7 @@
             <a:fld id="{8818C68F-D26B-8F47-958C-23B49CF8A634}" type="datetimeFigureOut">
               <a:rPr lang="en-US" dirty="0"/>
               <a:pPr/>
-              <a:t>6/16/2020</a:t>
+              <a:t>6/17/2020</a:t>
             </a:fld>
             <a:endParaRPr lang="en-US" dirty="0"/>
           </a:p>
@@ -4122,7 +4132,7 @@
           <a:ln/>
           <a:extLst>
             <a:ext uri="{91240B29-F687-4f45-9708-019B960494DF}">
-              <a14:hiddenLine xmlns:a14="http://schemas.microsoft.com/office/drawing/2010/main" xmlns="" w="9525">
+              <a14:hiddenLine xmlns="" xmlns:a14="http://schemas.microsoft.com/office/drawing/2010/main" w="9525">
                 <a:solidFill>
                   <a:srgbClr val="000000"/>
                 </a:solidFill>
@@ -4322,7 +4332,7 @@
             <a:fld id="{D0DF5E60-9974-AC48-9591-99C2BB44B7CF}" type="datetimeFigureOut">
               <a:rPr lang="en-US" dirty="0"/>
               <a:pPr/>
-              <a:t>6/16/2020</a:t>
+              <a:t>6/17/2020</a:t>
             </a:fld>
             <a:endParaRPr lang="en-US" dirty="0"/>
           </a:p>
@@ -4632,7 +4642,7 @@
             <a:fld id="{18C79C5D-2A6F-F04D-97DA-BEF2467B64E4}" type="datetimeFigureOut">
               <a:rPr lang="en-US" dirty="0"/>
               <a:pPr/>
-              <a:t>6/16/2020</a:t>
+              <a:t>6/17/2020</a:t>
             </a:fld>
             <a:endParaRPr lang="en-US" dirty="0"/>
           </a:p>
@@ -4899,7 +4909,7 @@
             <a:fld id="{09B482E8-6E0E-1B4F-B1FD-C69DB9E858D9}" type="datetimeFigureOut">
               <a:rPr lang="en-US" dirty="0"/>
               <a:pPr/>
-              <a:t>6/16/2020</a:t>
+              <a:t>6/17/2020</a:t>
             </a:fld>
             <a:endParaRPr lang="en-US" dirty="0"/>
           </a:p>
@@ -5416,6 +5426,213 @@
 </p:sld>
 </file>
 
+<file path=ppt/slides/slide10.xml><?xml version="1.0" encoding="utf-8"?>
+<p:sld xmlns:a="http://schemas.openxmlformats.org/drawingml/2006/main" xmlns:r="http://schemas.openxmlformats.org/officeDocument/2006/relationships" xmlns:p="http://schemas.openxmlformats.org/presentationml/2006/main">
+  <p:cSld>
+    <p:spTree>
+      <p:nvGrpSpPr>
+        <p:cNvPr id="1" name=""/>
+        <p:cNvGrpSpPr/>
+        <p:nvPr/>
+      </p:nvGrpSpPr>
+      <p:grpSpPr>
+        <a:xfrm>
+          <a:off x="0" y="0"/>
+          <a:ext cx="0" cy="0"/>
+          <a:chOff x="0" y="0"/>
+          <a:chExt cx="0" cy="0"/>
+        </a:xfrm>
+      </p:grpSpPr>
+      <p:sp>
+        <p:nvSpPr>
+          <p:cNvPr id="2" name="Title 1">
+            <a:extLst>
+              <a:ext uri="{FF2B5EF4-FFF2-40B4-BE49-F238E27FC236}">
+                <a16:creationId xmlns:a16="http://schemas.microsoft.com/office/drawing/2014/main" id="{802B4A8B-0742-4B28-9246-D1DF35667FD8}"/>
+              </a:ext>
+            </a:extLst>
+          </p:cNvPr>
+          <p:cNvSpPr>
+            <a:spLocks noGrp="1"/>
+          </p:cNvSpPr>
+          <p:nvPr>
+            <p:ph type="title"/>
+          </p:nvPr>
+        </p:nvSpPr>
+        <p:spPr/>
+        <p:txBody>
+          <a:bodyPr/>
+          <a:lstStyle/>
+          <a:p>
+            <a:r>
+              <a:rPr lang="en-GB" dirty="0"/>
+              <a:t>Economic Impact</a:t>
+            </a:r>
+          </a:p>
+        </p:txBody>
+      </p:sp>
+      <p:sp>
+        <p:nvSpPr>
+          <p:cNvPr id="3" name="Content Placeholder 2">
+            <a:extLst>
+              <a:ext uri="{FF2B5EF4-FFF2-40B4-BE49-F238E27FC236}">
+                <a16:creationId xmlns:a16="http://schemas.microsoft.com/office/drawing/2014/main" id="{15821BCB-D693-4CDA-85B0-87D10653C0B4}"/>
+              </a:ext>
+            </a:extLst>
+          </p:cNvPr>
+          <p:cNvSpPr>
+            <a:spLocks noGrp="1"/>
+          </p:cNvSpPr>
+          <p:nvPr>
+            <p:ph idx="1"/>
+          </p:nvPr>
+        </p:nvSpPr>
+        <p:spPr/>
+        <p:txBody>
+          <a:bodyPr/>
+          <a:lstStyle/>
+          <a:p>
+            <a:pPr marL="0" indent="0">
+              <a:buNone/>
+            </a:pPr>
+            <a:r>
+              <a:rPr lang="en-GB" dirty="0"/>
+              <a:t>Long answer: It will cost a lot of money. Like none will profit at all. There is no financial reason even consider this plan because the only ones who will profit will be the coal companies who got banned</a:t>
+            </a:r>
+          </a:p>
+          <a:p>
+            <a:pPr marL="0" indent="0">
+              <a:buNone/>
+            </a:pPr>
+            <a:endParaRPr lang="en-GB" dirty="0"/>
+          </a:p>
+          <a:p>
+            <a:pPr marL="0" indent="0">
+              <a:buNone/>
+            </a:pPr>
+            <a:endParaRPr lang="en-GB" dirty="0"/>
+          </a:p>
+          <a:p>
+            <a:pPr marL="0" indent="0">
+              <a:buNone/>
+            </a:pPr>
+            <a:endParaRPr lang="en-GB" dirty="0"/>
+          </a:p>
+          <a:p>
+            <a:pPr marL="0" indent="0">
+              <a:buNone/>
+            </a:pPr>
+            <a:r>
+              <a:rPr lang="en-GB" dirty="0"/>
+              <a:t>Short answer: In terms of money, we have no money</a:t>
+            </a:r>
+          </a:p>
+        </p:txBody>
+      </p:sp>
+    </p:spTree>
+    <p:extLst>
+      <p:ext uri="{BB962C8B-B14F-4D97-AF65-F5344CB8AC3E}">
+        <p14:creationId xmlns:p14="http://schemas.microsoft.com/office/powerpoint/2010/main" val="4138107568"/>
+      </p:ext>
+    </p:extLst>
+  </p:cSld>
+  <p:clrMapOvr>
+    <a:masterClrMapping/>
+  </p:clrMapOvr>
+</p:sld>
+</file>
+
+<file path=ppt/slides/slide11.xml><?xml version="1.0" encoding="utf-8"?>
+<p:sld xmlns:a="http://schemas.openxmlformats.org/drawingml/2006/main" xmlns:r="http://schemas.openxmlformats.org/officeDocument/2006/relationships" xmlns:p="http://schemas.openxmlformats.org/presentationml/2006/main">
+  <p:cSld>
+    <p:spTree>
+      <p:nvGrpSpPr>
+        <p:cNvPr id="1" name=""/>
+        <p:cNvGrpSpPr/>
+        <p:nvPr/>
+      </p:nvGrpSpPr>
+      <p:grpSpPr>
+        <a:xfrm>
+          <a:off x="0" y="0"/>
+          <a:ext cx="0" cy="0"/>
+          <a:chOff x="0" y="0"/>
+          <a:chExt cx="0" cy="0"/>
+        </a:xfrm>
+      </p:grpSpPr>
+      <p:sp>
+        <p:nvSpPr>
+          <p:cNvPr id="4" name="Title 3">
+            <a:extLst>
+              <a:ext uri="{FF2B5EF4-FFF2-40B4-BE49-F238E27FC236}">
+                <a16:creationId xmlns:a16="http://schemas.microsoft.com/office/drawing/2014/main" id="{B013B36E-D661-412D-B608-B061381E4DC6}"/>
+              </a:ext>
+            </a:extLst>
+          </p:cNvPr>
+          <p:cNvSpPr>
+            <a:spLocks noGrp="1"/>
+          </p:cNvSpPr>
+          <p:nvPr>
+            <p:ph type="title"/>
+          </p:nvPr>
+        </p:nvSpPr>
+        <p:spPr/>
+        <p:txBody>
+          <a:bodyPr/>
+          <a:lstStyle/>
+          <a:p>
+            <a:r>
+              <a:rPr lang="en-GB" dirty="0"/>
+              <a:t>The End</a:t>
+            </a:r>
+          </a:p>
+        </p:txBody>
+      </p:sp>
+      <p:sp>
+        <p:nvSpPr>
+          <p:cNvPr id="5" name="Text Placeholder 4">
+            <a:extLst>
+              <a:ext uri="{FF2B5EF4-FFF2-40B4-BE49-F238E27FC236}">
+                <a16:creationId xmlns:a16="http://schemas.microsoft.com/office/drawing/2014/main" id="{2001C3C9-30CF-4A0B-8D0D-319B8936025E}"/>
+              </a:ext>
+            </a:extLst>
+          </p:cNvPr>
+          <p:cNvSpPr>
+            <a:spLocks noGrp="1"/>
+          </p:cNvSpPr>
+          <p:nvPr>
+            <p:ph type="body" sz="quarter" idx="16"/>
+          </p:nvPr>
+        </p:nvSpPr>
+        <p:spPr/>
+        <p:txBody>
+          <a:bodyPr/>
+          <a:lstStyle/>
+          <a:p>
+            <a:r>
+              <a:rPr lang="en-GB" dirty="0"/>
+              <a:t>Also </a:t>
+            </a:r>
+            <a:r>
+              <a:rPr lang="en-GB"/>
+              <a:t>I exist</a:t>
+            </a:r>
+            <a:endParaRPr lang="en-GB" dirty="0"/>
+          </a:p>
+        </p:txBody>
+      </p:sp>
+    </p:spTree>
+    <p:extLst>
+      <p:ext uri="{BB962C8B-B14F-4D97-AF65-F5344CB8AC3E}">
+        <p14:creationId xmlns:p14="http://schemas.microsoft.com/office/powerpoint/2010/main" val="1725938641"/>
+      </p:ext>
+    </p:extLst>
+  </p:cSld>
+  <p:clrMapOvr>
+    <a:masterClrMapping/>
+  </p:clrMapOvr>
+</p:sld>
+</file>
+
 <file path=ppt/slides/slide2.xml><?xml version="1.0" encoding="utf-8"?>
 <p:sld xmlns:a="http://schemas.openxmlformats.org/drawingml/2006/main" xmlns:r="http://schemas.openxmlformats.org/officeDocument/2006/relationships" xmlns:p="http://schemas.openxmlformats.org/presentationml/2006/main">
   <p:cSld>
@@ -5971,7 +6188,7 @@
             </a:r>
             <a:r>
               <a:rPr lang="en-GB" dirty="0"/>
-              <a:t> answer: All The Coal.</a:t>
+              <a:t> answer: Anything but Coal</a:t>
             </a:r>
             <a:endParaRPr lang="en-AU" dirty="0"/>
           </a:p>
@@ -5981,6 +6198,353 @@
     <p:extLst>
       <p:ext uri="{BB962C8B-B14F-4D97-AF65-F5344CB8AC3E}">
         <p14:creationId xmlns:p14="http://schemas.microsoft.com/office/powerpoint/2010/main" val="2828670784"/>
+      </p:ext>
+    </p:extLst>
+  </p:cSld>
+  <p:clrMapOvr>
+    <a:masterClrMapping/>
+  </p:clrMapOvr>
+</p:sld>
+</file>
+
+<file path=ppt/slides/slide7.xml><?xml version="1.0" encoding="utf-8"?>
+<p:sld xmlns:a="http://schemas.openxmlformats.org/drawingml/2006/main" xmlns:r="http://schemas.openxmlformats.org/officeDocument/2006/relationships" xmlns:p="http://schemas.openxmlformats.org/presentationml/2006/main">
+  <p:cSld>
+    <p:spTree>
+      <p:nvGrpSpPr>
+        <p:cNvPr id="1" name=""/>
+        <p:cNvGrpSpPr/>
+        <p:nvPr/>
+      </p:nvGrpSpPr>
+      <p:grpSpPr>
+        <a:xfrm>
+          <a:off x="0" y="0"/>
+          <a:ext cx="0" cy="0"/>
+          <a:chOff x="0" y="0"/>
+          <a:chExt cx="0" cy="0"/>
+        </a:xfrm>
+      </p:grpSpPr>
+      <p:sp>
+        <p:nvSpPr>
+          <p:cNvPr id="2" name="Title 1">
+            <a:extLst>
+              <a:ext uri="{FF2B5EF4-FFF2-40B4-BE49-F238E27FC236}">
+                <a16:creationId xmlns:a16="http://schemas.microsoft.com/office/drawing/2014/main" id="{1D029B63-C362-4B63-8EC9-52D70F21284F}"/>
+              </a:ext>
+            </a:extLst>
+          </p:cNvPr>
+          <p:cNvSpPr>
+            <a:spLocks noGrp="1"/>
+          </p:cNvSpPr>
+          <p:nvPr>
+            <p:ph type="title"/>
+          </p:nvPr>
+        </p:nvSpPr>
+        <p:spPr/>
+        <p:txBody>
+          <a:bodyPr/>
+          <a:lstStyle/>
+          <a:p>
+            <a:r>
+              <a:rPr lang="en-AU" dirty="0"/>
+              <a:t>Where would we store the electricity</a:t>
+            </a:r>
+            <a:endParaRPr lang="en-GB" dirty="0"/>
+          </a:p>
+        </p:txBody>
+      </p:sp>
+      <p:sp>
+        <p:nvSpPr>
+          <p:cNvPr id="3" name="Content Placeholder 2">
+            <a:extLst>
+              <a:ext uri="{FF2B5EF4-FFF2-40B4-BE49-F238E27FC236}">
+                <a16:creationId xmlns:a16="http://schemas.microsoft.com/office/drawing/2014/main" id="{4748D8EB-185F-4BC8-B8B6-8B4ED3DAF407}"/>
+              </a:ext>
+            </a:extLst>
+          </p:cNvPr>
+          <p:cNvSpPr>
+            <a:spLocks noGrp="1"/>
+          </p:cNvSpPr>
+          <p:nvPr>
+            <p:ph idx="1"/>
+          </p:nvPr>
+        </p:nvSpPr>
+        <p:spPr/>
+        <p:txBody>
+          <a:bodyPr/>
+          <a:lstStyle/>
+          <a:p>
+            <a:pPr marL="0" indent="0">
+              <a:buNone/>
+            </a:pPr>
+            <a:r>
+              <a:rPr lang="en-AU" dirty="0"/>
+              <a:t>Long answer: We make giant batteries in the Outback to store the power. The Facilities would contain massive batteries</a:t>
+            </a:r>
+          </a:p>
+          <a:p>
+            <a:pPr marL="0" indent="0">
+              <a:buNone/>
+            </a:pPr>
+            <a:endParaRPr lang="en-AU" dirty="0"/>
+          </a:p>
+          <a:p>
+            <a:pPr marL="0" indent="0">
+              <a:buNone/>
+            </a:pPr>
+            <a:r>
+              <a:rPr lang="en-AU" dirty="0"/>
+              <a:t>Short</a:t>
+            </a:r>
+            <a:r>
+              <a:rPr lang="en-GB" dirty="0"/>
+              <a:t> answer: Battery is big.</a:t>
+            </a:r>
+            <a:endParaRPr lang="en-AU" dirty="0"/>
+          </a:p>
+        </p:txBody>
+      </p:sp>
+    </p:spTree>
+    <p:extLst>
+      <p:ext uri="{BB962C8B-B14F-4D97-AF65-F5344CB8AC3E}">
+        <p14:creationId xmlns:p14="http://schemas.microsoft.com/office/powerpoint/2010/main" val="2619488015"/>
+      </p:ext>
+    </p:extLst>
+  </p:cSld>
+  <p:clrMapOvr>
+    <a:masterClrMapping/>
+  </p:clrMapOvr>
+</p:sld>
+</file>
+
+<file path=ppt/slides/slide8.xml><?xml version="1.0" encoding="utf-8"?>
+<p:sld xmlns:a="http://schemas.openxmlformats.org/drawingml/2006/main" xmlns:r="http://schemas.openxmlformats.org/officeDocument/2006/relationships" xmlns:p="http://schemas.openxmlformats.org/presentationml/2006/main">
+  <p:cSld>
+    <p:spTree>
+      <p:nvGrpSpPr>
+        <p:cNvPr id="1" name=""/>
+        <p:cNvGrpSpPr/>
+        <p:nvPr/>
+      </p:nvGrpSpPr>
+      <p:grpSpPr>
+        <a:xfrm>
+          <a:off x="0" y="0"/>
+          <a:ext cx="0" cy="0"/>
+          <a:chOff x="0" y="0"/>
+          <a:chExt cx="0" cy="0"/>
+        </a:xfrm>
+      </p:grpSpPr>
+      <p:sp>
+        <p:nvSpPr>
+          <p:cNvPr id="2" name="Title 1">
+            <a:extLst>
+              <a:ext uri="{FF2B5EF4-FFF2-40B4-BE49-F238E27FC236}">
+                <a16:creationId xmlns:a16="http://schemas.microsoft.com/office/drawing/2014/main" id="{EBFABA07-0320-4673-9031-44EA1FA53477}"/>
+              </a:ext>
+            </a:extLst>
+          </p:cNvPr>
+          <p:cNvSpPr>
+            <a:spLocks noGrp="1"/>
+          </p:cNvSpPr>
+          <p:nvPr>
+            <p:ph type="title"/>
+          </p:nvPr>
+        </p:nvSpPr>
+        <p:spPr>
+          <a:xfrm>
+            <a:off x="810000" y="447188"/>
+            <a:ext cx="10571998" cy="970450"/>
+          </a:xfrm>
+        </p:spPr>
+        <p:txBody>
+          <a:bodyPr/>
+          <a:lstStyle/>
+          <a:p>
+            <a:r>
+              <a:rPr lang="en-GB" dirty="0"/>
+              <a:t>Environmental Impacts</a:t>
+            </a:r>
+          </a:p>
+        </p:txBody>
+      </p:sp>
+      <p:sp>
+        <p:nvSpPr>
+          <p:cNvPr id="3" name="Content Placeholder 2">
+            <a:extLst>
+              <a:ext uri="{FF2B5EF4-FFF2-40B4-BE49-F238E27FC236}">
+                <a16:creationId xmlns:a16="http://schemas.microsoft.com/office/drawing/2014/main" id="{1E408DC6-AE7B-4D41-BCF2-E366547362BC}"/>
+              </a:ext>
+            </a:extLst>
+          </p:cNvPr>
+          <p:cNvSpPr>
+            <a:spLocks noGrp="1"/>
+          </p:cNvSpPr>
+          <p:nvPr>
+            <p:ph idx="1"/>
+          </p:nvPr>
+        </p:nvSpPr>
+        <p:spPr/>
+        <p:txBody>
+          <a:bodyPr/>
+          <a:lstStyle/>
+          <a:p>
+            <a:pPr marL="0" indent="0">
+              <a:buNone/>
+            </a:pPr>
+            <a:r>
+              <a:rPr lang="en-GB" dirty="0"/>
+              <a:t>Long answer: We will be able to use more sustainable ways of generating energy and we could be a the forefront of Environmental protection</a:t>
+            </a:r>
+          </a:p>
+          <a:p>
+            <a:pPr marL="0" indent="0">
+              <a:buNone/>
+            </a:pPr>
+            <a:endParaRPr lang="en-GB" dirty="0"/>
+          </a:p>
+          <a:p>
+            <a:pPr marL="0" indent="0">
+              <a:buNone/>
+            </a:pPr>
+            <a:endParaRPr lang="en-GB" dirty="0"/>
+          </a:p>
+          <a:p>
+            <a:pPr marL="0" indent="0">
+              <a:buNone/>
+            </a:pPr>
+            <a:endParaRPr lang="en-GB" dirty="0"/>
+          </a:p>
+          <a:p>
+            <a:pPr marL="0" indent="0">
+              <a:buNone/>
+            </a:pPr>
+            <a:r>
+              <a:rPr lang="en-GB" dirty="0"/>
+              <a:t>Short answer: like maybe we wont burn? Idk.</a:t>
+            </a:r>
+          </a:p>
+        </p:txBody>
+      </p:sp>
+    </p:spTree>
+    <p:extLst>
+      <p:ext uri="{BB962C8B-B14F-4D97-AF65-F5344CB8AC3E}">
+        <p14:creationId xmlns:p14="http://schemas.microsoft.com/office/powerpoint/2010/main" val="3457479360"/>
+      </p:ext>
+    </p:extLst>
+  </p:cSld>
+  <p:clrMapOvr>
+    <a:masterClrMapping/>
+  </p:clrMapOvr>
+</p:sld>
+</file>
+
+<file path=ppt/slides/slide9.xml><?xml version="1.0" encoding="utf-8"?>
+<p:sld xmlns:a="http://schemas.openxmlformats.org/drawingml/2006/main" xmlns:r="http://schemas.openxmlformats.org/officeDocument/2006/relationships" xmlns:p="http://schemas.openxmlformats.org/presentationml/2006/main">
+  <p:cSld>
+    <p:spTree>
+      <p:nvGrpSpPr>
+        <p:cNvPr id="1" name=""/>
+        <p:cNvGrpSpPr/>
+        <p:nvPr/>
+      </p:nvGrpSpPr>
+      <p:grpSpPr>
+        <a:xfrm>
+          <a:off x="0" y="0"/>
+          <a:ext cx="0" cy="0"/>
+          <a:chOff x="0" y="0"/>
+          <a:chExt cx="0" cy="0"/>
+        </a:xfrm>
+      </p:grpSpPr>
+      <p:sp>
+        <p:nvSpPr>
+          <p:cNvPr id="2" name="Title 1">
+            <a:extLst>
+              <a:ext uri="{FF2B5EF4-FFF2-40B4-BE49-F238E27FC236}">
+                <a16:creationId xmlns:a16="http://schemas.microsoft.com/office/drawing/2014/main" id="{95B9020D-E73D-43E9-B52A-F4F4297C48D3}"/>
+              </a:ext>
+            </a:extLst>
+          </p:cNvPr>
+          <p:cNvSpPr>
+            <a:spLocks noGrp="1"/>
+          </p:cNvSpPr>
+          <p:nvPr>
+            <p:ph type="title"/>
+          </p:nvPr>
+        </p:nvSpPr>
+        <p:spPr/>
+        <p:txBody>
+          <a:bodyPr/>
+          <a:lstStyle/>
+          <a:p>
+            <a:r>
+              <a:rPr lang="en-GB" dirty="0"/>
+              <a:t>Social Impacts</a:t>
+            </a:r>
+          </a:p>
+        </p:txBody>
+      </p:sp>
+      <p:sp>
+        <p:nvSpPr>
+          <p:cNvPr id="3" name="Content Placeholder 2">
+            <a:extLst>
+              <a:ext uri="{FF2B5EF4-FFF2-40B4-BE49-F238E27FC236}">
+                <a16:creationId xmlns:a16="http://schemas.microsoft.com/office/drawing/2014/main" id="{8BE8F2AC-3724-4869-88D1-58D70FA0979A}"/>
+              </a:ext>
+            </a:extLst>
+          </p:cNvPr>
+          <p:cNvSpPr>
+            <a:spLocks noGrp="1"/>
+          </p:cNvSpPr>
+          <p:nvPr>
+            <p:ph idx="1"/>
+          </p:nvPr>
+        </p:nvSpPr>
+        <p:spPr/>
+        <p:txBody>
+          <a:bodyPr/>
+          <a:lstStyle/>
+          <a:p>
+            <a:pPr marL="0" indent="0">
+              <a:buNone/>
+            </a:pPr>
+            <a:r>
+              <a:rPr lang="en-GB" dirty="0"/>
+              <a:t>Long answer: A lot of land and people will have to be uprooted and many people will loose their jobs.</a:t>
+            </a:r>
+          </a:p>
+          <a:p>
+            <a:pPr marL="0" indent="0">
+              <a:buNone/>
+            </a:pPr>
+            <a:endParaRPr lang="en-GB" dirty="0"/>
+          </a:p>
+          <a:p>
+            <a:pPr marL="0" indent="0">
+              <a:buNone/>
+            </a:pPr>
+            <a:endParaRPr lang="en-GB" dirty="0"/>
+          </a:p>
+          <a:p>
+            <a:pPr marL="0" indent="0">
+              <a:buNone/>
+            </a:pPr>
+            <a:endParaRPr lang="en-GB" dirty="0"/>
+          </a:p>
+          <a:p>
+            <a:pPr marL="0" indent="0">
+              <a:buNone/>
+            </a:pPr>
+            <a:r>
+              <a:rPr lang="en-GB" dirty="0"/>
+              <a:t>Short answer: This will be very costly</a:t>
+            </a:r>
+          </a:p>
+        </p:txBody>
+      </p:sp>
+    </p:spTree>
+    <p:extLst>
+      <p:ext uri="{BB962C8B-B14F-4D97-AF65-F5344CB8AC3E}">
+        <p14:creationId xmlns:p14="http://schemas.microsoft.com/office/powerpoint/2010/main" val="2584586046"/>
       </p:ext>
     </p:extLst>
   </p:cSld>
